--- a/PowerBI Project Presentation.pptx
+++ b/PowerBI Project Presentation.pptx
@@ -21937,7 +21937,7 @@
   <we:properties>
     <we:property name="artifactViewState" value="&quot;live&quot;"/>
     <we:property name="backgroundColor" value="&quot;#3A3A3A&quot;"/>
-    <we:property name="bookmark" value="&quot;H4sIAAAAAAAAA+1YTW/bOBD9KwUvvQgF9WVRudmOExRommzsZg+LHChy7KiVRZWisnED//cOKdmp3ThfTbsNtj6RQ3rmzZvhk8RrIvO6KvjiPZ8D2SMDpT7Nuf70yiceKTdtIkx60zSKeRrIlGY+hEGMu1RlclXWZO+aGK5nYM7yuuGFdYjGf849wovihM/sbMqLGjxSga5VyYv8C7SbccnoBpYegauqUJpbl2PDDVi3l7gd5wjFfxNiRC5MfgljEKa1nkKltFnNPVK3Iwdpc806cwGHqjQ8L9GxtdHYT6QMKfU5i0OfZ5CF1j7NC9NtyRajq0pjPpjlorK09OUlLwVI4kBrqOsuwlAVzdyNRhv2sWq0gFOYuqXS5GaBbt4e7Q/IEjM/0Qp5cbYFcO1sF+rfoQakQZI9ujxHS52Xs6Jj7SadSQupLnIB2tYk+4gZO+BzwJrYgeSGO/xVGyiHdl1JtwwuvWvyLseUW99nvGis29cDXufiNSLC37nF1VYAEX/8hmq3vXYhno0CjIZ2EQkqqA9J6stEZj3uY+ftrE/XtgduMQsECMEYhDJMAkgDGgokqKvhRFXvcdb6cTmsWi3wyIFWc+ewOxt1k31uQC/wD1tZrRZw/NdqcJen3LrYyN4jbQmxyB4ZQ4G0PpzIduL8brEo1Lzi5YKgtQs9zaGQxEY51hL0YOHC7Od6dUKC7ez6s5mGGV+dn9Hje303vplWde2MB03ZAaC2yTxbGrLnU1f/lptg6T2Uwb8vQENHYCnzFfa3W0gf0awP4Nih5lkBu/+8bqHuKD2/dNyg2VYPb61cQzTNlM4FHvOfgaApjb4Nwb36heewAHnEqw0J26U3XRqLZ1KcG9yt6ODDIErCaMrSXo9yKfyISuvkzgzyOT7oNtE7AZOsJ6LUj+IEQLCYxiy69wHzR5z+iNP/T5x2vlb9eKnvxLaj2o/WMOGQDC+4Ntsqpn5ZUz8lU9shv0Zn1y3pzg9PsgBoSnsZZTRkvsiC6F6dNXBlMnX1vdJCDKkfMpqKIAxZFEPYu+NV8b6eOwJeNxp+JN3+2ei0fzh6dXh6PB4/5aEouJZP7aSfgL/9AEjYlMZRMmWZhIzRDCCTvwXNgw/7h6PJC+Z5nUBHdBJEgveimKWMMUqTDL9f/kuiJ8eT/rsX282b6FuKgTIhQ45ve2nIYtvRcfAbUPxiO3kLvpN5u+W2SwnVmLriAk54CbdcTiC1vJQgu/GuCwp3rbS+nlguvwJxyO0f1hIAAA==&quot;"/>
+    <we:property name="bookmark" value="&quot;H4sIAAAAAAAAA+1YTW/bOBD9KwUvvQgF9WVRudmOExRommzsZg+LHChy7KiVRZWisnED//cOKdmp3ThfTbsNtj5RQ3rmzZvho8RrIvO6KvjiPZ8D2SMDpT7Nuf70yiceKTdtIsz8uNfzE2BJCmnK0zjCVaoyuSprsndNDNczMGd53fDCOkTjP4TGfiJlSKnPWRz6PIMsJOce4UVxwmd2zZQXNXikAl2rkhf5F2hd4JTRDSw9AldVoTS3gcaGG7DBLnE5PiNA/02IOLgw+SWMQZjWegqV0mb17JG6HTmgm3PWmQs4VKXheYmOre1W4Gif5oXplmSL0VWlMUvMfVFZsvrykpcCJHGgNdR1F2GoimbuRqMN+1g1WsApTN1UaXKzQDdvj/YHZImZn2iFvDjbArh2tgv171AD0iDJHl2eo6XOy1nRsXaTzqSFVBe5AG0rlX3EjB3wOWCl7EBywx3+qg2UQzuvpJsGl941eZdjyq3vM1401u3rAa9z8RoR4e/c4morgIg/fkO1W167EM9GAUZDu4gEFdSHJPVlIrMe94N4d326Zj5wk1kgQAjGIJRhEkAa0FAgQV0NJ6p6j0+tH5fDqtUCjxxoNXcOux1TN9nnBvQC/7CV1WoCx3+tBnd5yq2Ljew90pYQi+yRMRRI68OJbB+c3y0WhZpXvFwQtHahpzkUktgox1qCHixcmP1cr3ZIsJ1dfzbTMOOr/TN6fK/vxjfTqq6d8aApOwDUNplnS0P2fOrq33ITLL2HMvj3BWjoCCxlvsL+dgvpI5r1ARw71DwrYPef1y3UbaXnl44bNNvq4a2Va4immdK5wG3+MxA0pdG3IbhXv3AfFiCPeLUhYbv0pktj8UyKc4O7FR08DKIkjKYs7fUol8KPqLRO7swgn+NBt4neCZhkPRGlfhQnAILFNGbRvQfMH3H6I07/P3Ha+Vr146W+E9uOaj9aw4RDMrzg2myrmPplTf2UTG2H/BqdXbek2z88yQKgKe1llNGQ+SILont11sCVydTV90oLMaR+yGgqgjBkUQxh745Xxft67gh43Wj4kXT7Z6PT/uHo1eHp8Xj8lENRcC2f2kk/AX/7AZCwKY2jZMoyCRmjGUAmfwuaBx/2D0eTF8zzOoGO6CSIBO9FMUsZY5QmGX6//JdET44n/Xcvtps30bcUA2VChhzf9tKQxbaj4+A3oPjFdvIWfCfzdsltlxKqMXXFBZzwEm65nEBqeSlBduNdFxTuWml9PbFcfgUz89tQ7BIAAA==&quot;"/>
     <we:property name="creatorSessionId" value="&quot;70e33bd0-ba3c-4021-83bc-365965c0f88b&quot;"/>
     <we:property name="creatorTenantId" value="&quot;e90c1f93-29fc-4405-9da8-f122a14da6d1&quot;"/>
     <we:property name="creatorUserId" value="&quot;100320035EB4B98C&quot;"/>
@@ -21968,7 +21968,7 @@
   <we:properties>
     <we:property name="artifactViewState" value="&quot;live&quot;"/>
     <we:property name="backgroundColor" value="&quot;#3A3A3A&quot;"/>
-    <we:property name="bookmark" value="&quot;H4sIAAAAAAAAA+1YTXPbNhD9KxlccuFkAH5IpG+yImc807iu7XEOGR8WwEpGQhEsCLpWPfrvAUAqrVRLij/qZprwBCyAxdvdxzezuCNSNXUJixOYIzkgh1p/noP5/IqRiFTrtowV01hkw1xQyngiBWex26Vrq3TVkIM7YsHM0F6qpoXSO3TGj1cRgbI8hZmfTaFsMCI1mkZXUKo/sdvslqxpcRkRvK1LbcC7PLdg0bu9cdvd3EFhbxJ3IwirbvAche2sZ1hrY/t5kqWpkCIphjGjHIqEF0N3pulWA8z9+/2lAdhYVxZU5QB4G0iaiJRP82FKaZoNZUrD3kZVs7IP5a+zF4vap8/ireX61meKf3J3ek/LpQuVZlkh8gGlAvM0hWKQU+FPT1Vp+wv5YnJbG5dFl9vO20jeQCVQkpAqg02XmTsy1mU7D6PJmv1ct0bgGU7DUmWVXTg3x+/fHhIP4tRoV41gWyCYYLvWf4wNuuRLckCXV86yM8CmVALNWnxkjo4JfiDBQsBfdxcp7Na1DMsYwrsjvygXcuf7EsrWu319CI0Srx0i9115XF3dHeJPfytm2N6EK54tBVehPoxxmcGUOoJwTimXeYx763Oh6xOXim5PwLcibxyRI6PnYXP/tzUt/71Fs3AHNhCvFtz4t9VglyflXaxFFpGuPK6AETnH0qXs25PUTYLfjQwFTXCm/t6pwlISf8WvRqI5XIQ73iqz+jnjzdBGs5nBGdh+Onk4ibeDmxndNMF41FY9AOrZE/m6kIMs1LXLS7yMvjV7H67RYJ+8SqoV9OMNoA8g4b78BsTAS9x+8it3+v/j+fWgh7KpB9F+LXp6jXcC21LmBwuXCEjG12Dsujq7yYux+TGRenrcK4ZjF/tMm8UzyeGKjOG3yVAmyHKkMmYpIEuwSH/K4fcsh43QBn/K4f9dDreU+cFyyMF8z1q4g80vroUSeZpkckrzwjVDgxwhS/c2AmrumqB/tgGCOWUdcMoLMWRFTDmT+3V1K9feIzStwadEOrqcnI3eTV6djS6OT949jvL/XTdSum7tSTT+NzL4UiRd618GwxwSmvMYCsBBSpHGO4jVN/tHYRHSKcsopCizRLBcDHzrE62q3oNWwqX/+Qs/w8o8Umhfgvx7CSh11dofloGr6vUttGRsiJgmg2HGCwksE/t1csuDSXB43xODbm1Tg8BTqPCepwZHEaikL97O54bwNPX1sWG5/AIN9IoAGhMAAA==&quot;"/>
+    <we:property name="bookmark" value="&quot;H4sIAAAAAAAAA+1YTXPbNhD9KxlccuF0QJGUSN9kR854pnFd2+MeOj4sgJWMhCJYEHStevTfswCptFItKf6om2mjE7AAdt/uPr4RcM+UbuoSFqcwR3bADo35NAf76U3MIlat23IcqhSwkCqVeZ6IBFDSLlM7baqGHdwzB3aG7ko3LZTeIRl/vY4YlOUZzPxsCmWDEavRNqaCUv+B3WZacrbFZcTwri6NBe/ywoFD7/aWttOcoMQ/JBQRpNO3eIHSddZzrI11/TzJ0lQqmRSjQcwFFIkoRnSm6VYDzP37fdAA7MhUDnRFALwNFE9kKqb5KOU8zUYq5WFvo6tZ2afy59nLRe3L5/DOCXPnKyU+UkzvabmkVHmWFTIfci4xT1MohjmX/vRUl64PKBaTu9pSFam2nbexuoVKomKhVBabrjL37MiU7TyMJmv2C9Naiec4DUuV025Bbk4+vDtkHsSZNdSNYFsg2GC7Mb8fWaTiK3bAl9dk2ZlgU2qJdi0/Nkdigh8ocBDw110gjd26UWEZQ3r37EdNKXe+r6Bsvdu3h9Bo+ZYQ0e/a4+r6Tog//qWZYXsTQrxYCa5Df+JYqAymnAgiBOdC5QPc259LU59SKbo9Ad+KvIOIHVszD5v7r61pxW8t2gUd2EC8WqDxz6vBLk/au1jLLGJde6iBEbvAkkr29UXqJsHvRoWCJpCpjzvVWCrmQ/xkFdrDRYjxTtvVxznYTG08m1mcgeunk8eTeDu4mTVNE4zHbdUD4J49ke8LO8hCX7u6DJbR11bvlxu02BevUnoF/WQD6CNIuK++ATGIEref/MKd/vt4eT3ooWzqQbRfi57f453AtrT50cIlA5KjG7BuXZ1p8mpsfkqmnh4PiuER5T4zdvFCcrgiY/hsMlQJxjlyNYjpb0CcYJF+l8NvWQ4baSx+l8P/uhxuafOj5VCA/Za1cAebX10LFYo0ydSU54XkfJgjZOnei4Ce0yXo79cAGZOyDgUXhRzFxYCLWO3X1a1c+4DQtBafk+n4anI+fj95cz6+PDl9/zTK/3u3kZJua8+i8T9Rwdci6dr9ZTjKIeG5GEABOEw58sEOYvWX/eOwCOk0zjikqLJExrkc+qtPtOp6D1pLKv/LN36GlX2i0L4G+fcSUJmqdf9bBq6611+hVRyPENNkOMpEoSDO5H6d3PJgEhw+9MRgWtfUIPEMKnzgqYEoApXyzdv53BCepr48NiyXnwFSINZeGhMAAA==&quot;"/>
     <we:property name="creatorSessionId" value="&quot;44fd53b1-8974-4b2f-b252-658ef3053653&quot;"/>
     <we:property name="creatorTenantId" value="&quot;e90c1f93-29fc-4405-9da8-f122a14da6d1&quot;"/>
     <we:property name="creatorUserId" value="&quot;100320035EB4B98C&quot;"/>
